--- a/Lectures/CS418-Lecture4-Animation.pptx
+++ b/Lectures/CS418-Lecture4-Animation.pptx
@@ -5,7 +5,7 @@
     <p:sldMasterId id="2147483648" r:id="rId1"/>
   </p:sldMasterIdLst>
   <p:notesMasterIdLst>
-    <p:notesMasterId r:id="rId17"/>
+    <p:notesMasterId r:id="rId16"/>
   </p:notesMasterIdLst>
   <p:sldIdLst>
     <p:sldId id="260" r:id="rId2"/>
@@ -13,16 +13,15 @@
     <p:sldId id="262" r:id="rId4"/>
     <p:sldId id="263" r:id="rId5"/>
     <p:sldId id="265" r:id="rId6"/>
-    <p:sldId id="272" r:id="rId7"/>
-    <p:sldId id="266" r:id="rId8"/>
-    <p:sldId id="264" r:id="rId9"/>
-    <p:sldId id="268" r:id="rId10"/>
-    <p:sldId id="273" r:id="rId11"/>
-    <p:sldId id="269" r:id="rId12"/>
-    <p:sldId id="270" r:id="rId13"/>
-    <p:sldId id="274" r:id="rId14"/>
-    <p:sldId id="275" r:id="rId15"/>
-    <p:sldId id="271" r:id="rId16"/>
+    <p:sldId id="266" r:id="rId7"/>
+    <p:sldId id="264" r:id="rId8"/>
+    <p:sldId id="268" r:id="rId9"/>
+    <p:sldId id="273" r:id="rId10"/>
+    <p:sldId id="269" r:id="rId11"/>
+    <p:sldId id="270" r:id="rId12"/>
+    <p:sldId id="274" r:id="rId13"/>
+    <p:sldId id="275" r:id="rId14"/>
+    <p:sldId id="271" r:id="rId15"/>
   </p:sldIdLst>
   <p:sldSz cx="12192000" cy="6858000"/>
   <p:notesSz cx="6858000" cy="9144000"/>
@@ -140,10 +139,6 @@
 </p:presentation>
 </file>
 
-<file path=ppt/revisionInfo.xml><?xml version="1.0" encoding="utf-8"?>
-<p1510:revInfo xmlns:a="http://schemas.openxmlformats.org/drawingml/2006/main" xmlns:r="http://schemas.openxmlformats.org/officeDocument/2006/relationships" xmlns:p1510="http://schemas.microsoft.com/office/powerpoint/2015/10/main"/>
-</file>
-
 <file path=ppt/notesMasters/notesMaster1.xml><?xml version="1.0" encoding="utf-8"?>
 <p:notesMaster xmlns:a="http://schemas.openxmlformats.org/drawingml/2006/main" xmlns:r="http://schemas.openxmlformats.org/officeDocument/2006/relationships" xmlns:p="http://schemas.openxmlformats.org/presentationml/2006/main">
   <p:cSld>
@@ -226,7 +221,7 @@
           <a:p>
             <a:fld id="{564DAAA6-4117-4992-859F-BAA0EB4FC72C}" type="datetimeFigureOut">
               <a:rPr lang="en-US" smtClean="0"/>
-              <a:t>1/24/2018</a:t>
+              <a:t>2/4/2020</a:t>
             </a:fld>
             <a:endParaRPr lang="en-US"/>
           </a:p>
@@ -710,7 +705,7 @@
           <a:p>
             <a:fld id="{CF64A208-0694-964E-93B1-EAF2C4DF2BAD}" type="datetimeFigureOut">
               <a:rPr lang="en-US" smtClean="0"/>
-              <a:t>1/24/2018</a:t>
+              <a:t>2/4/2020</a:t>
             </a:fld>
             <a:endParaRPr lang="en-US"/>
           </a:p>
@@ -917,7 +912,7 @@
             <a:fld id="{CF64A208-0694-964E-93B1-EAF2C4DF2BAD}" type="datetimeFigureOut">
               <a:rPr lang="en-US" smtClean="0"/>
               <a:pPr/>
-              <a:t>1/24/2018</a:t>
+              <a:t>2/4/2020</a:t>
             </a:fld>
             <a:endParaRPr lang="en-US" dirty="0"/>
           </a:p>
@@ -1147,7 +1142,7 @@
             <a:fld id="{CF64A208-0694-964E-93B1-EAF2C4DF2BAD}" type="datetimeFigureOut">
               <a:rPr lang="en-US" smtClean="0"/>
               <a:pPr/>
-              <a:t>1/24/2018</a:t>
+              <a:t>2/4/2020</a:t>
             </a:fld>
             <a:endParaRPr lang="en-US" dirty="0"/>
           </a:p>
@@ -1360,7 +1355,7 @@
           <a:p>
             <a:fld id="{CF64A208-0694-964E-93B1-EAF2C4DF2BAD}" type="datetimeFigureOut">
               <a:rPr lang="en-US" smtClean="0"/>
-              <a:t>1/24/2018</a:t>
+              <a:t>2/4/2020</a:t>
             </a:fld>
             <a:endParaRPr lang="en-US"/>
           </a:p>
@@ -1615,7 +1610,7 @@
             <a:fld id="{CF64A208-0694-964E-93B1-EAF2C4DF2BAD}" type="datetimeFigureOut">
               <a:rPr lang="en-US" smtClean="0"/>
               <a:pPr/>
-              <a:t>1/24/2018</a:t>
+              <a:t>2/4/2020</a:t>
             </a:fld>
             <a:endParaRPr lang="en-US" dirty="0"/>
           </a:p>
@@ -1915,7 +1910,7 @@
           <a:p>
             <a:fld id="{CF64A208-0694-964E-93B1-EAF2C4DF2BAD}" type="datetimeFigureOut">
               <a:rPr lang="en-US" smtClean="0"/>
-              <a:t>1/24/2018</a:t>
+              <a:t>2/4/2020</a:t>
             </a:fld>
             <a:endParaRPr lang="en-US"/>
           </a:p>
@@ -2348,7 +2343,7 @@
             <a:fld id="{CF64A208-0694-964E-93B1-EAF2C4DF2BAD}" type="datetimeFigureOut">
               <a:rPr lang="en-US" smtClean="0"/>
               <a:pPr/>
-              <a:t>1/24/2018</a:t>
+              <a:t>2/4/2020</a:t>
             </a:fld>
             <a:endParaRPr lang="en-US" dirty="0"/>
           </a:p>
@@ -2491,7 +2486,7 @@
             <a:fld id="{CF64A208-0694-964E-93B1-EAF2C4DF2BAD}" type="datetimeFigureOut">
               <a:rPr lang="en-US" smtClean="0"/>
               <a:pPr/>
-              <a:t>1/24/2018</a:t>
+              <a:t>2/4/2020</a:t>
             </a:fld>
             <a:endParaRPr lang="en-US" dirty="0"/>
           </a:p>
@@ -2606,7 +2601,7 @@
             <a:fld id="{CF64A208-0694-964E-93B1-EAF2C4DF2BAD}" type="datetimeFigureOut">
               <a:rPr lang="en-US" smtClean="0"/>
               <a:pPr/>
-              <a:t>1/24/2018</a:t>
+              <a:t>2/4/2020</a:t>
             </a:fld>
             <a:endParaRPr lang="en-US" dirty="0"/>
           </a:p>
@@ -2915,7 +2910,7 @@
             <a:fld id="{CF64A208-0694-964E-93B1-EAF2C4DF2BAD}" type="datetimeFigureOut">
               <a:rPr lang="en-US" smtClean="0"/>
               <a:pPr/>
-              <a:t>1/24/2018</a:t>
+              <a:t>2/4/2020</a:t>
             </a:fld>
             <a:endParaRPr lang="en-US" dirty="0"/>
           </a:p>
@@ -3196,7 +3191,7 @@
             <a:fld id="{CF64A208-0694-964E-93B1-EAF2C4DF2BAD}" type="datetimeFigureOut">
               <a:rPr lang="en-US" smtClean="0"/>
               <a:pPr/>
-              <a:t>1/24/2018</a:t>
+              <a:t>2/4/2020</a:t>
             </a:fld>
             <a:endParaRPr lang="en-US" dirty="0"/>
           </a:p>
@@ -3420,7 +3415,7 @@
           <a:p>
             <a:fld id="{CF64A208-0694-964E-93B1-EAF2C4DF2BAD}" type="datetimeFigureOut">
               <a:rPr lang="en-US" smtClean="0"/>
-              <a:t>1/24/2018</a:t>
+              <a:t>2/4/2020</a:t>
             </a:fld>
             <a:endParaRPr lang="en-US"/>
           </a:p>
@@ -4391,160 +4386,6 @@
           <p:cNvPr id="2" name="Title 1">
             <a:extLst>
               <a:ext uri="{FF2B5EF4-FFF2-40B4-BE49-F238E27FC236}">
-                <a16:creationId xmlns:a16="http://schemas.microsoft.com/office/drawing/2014/main" id="{F8542482-C0D7-49D8-8F8A-99ECDCC7D4A3}"/>
-              </a:ext>
-            </a:extLst>
-          </p:cNvPr>
-          <p:cNvSpPr>
-            <a:spLocks noGrp="1"/>
-          </p:cNvSpPr>
-          <p:nvPr>
-            <p:ph type="title"/>
-          </p:nvPr>
-        </p:nvSpPr>
-        <p:spPr/>
-        <p:txBody>
-          <a:bodyPr/>
-          <a:lstStyle/>
-          <a:p>
-            <a:r>
-              <a:rPr lang="en-US" dirty="0"/>
-              <a:t>Interpolation and Key Frames</a:t>
-            </a:r>
-          </a:p>
-        </p:txBody>
-      </p:sp>
-      <p:sp>
-        <p:nvSpPr>
-          <p:cNvPr id="3" name="Content Placeholder 2">
-            <a:extLst>
-              <a:ext uri="{FF2B5EF4-FFF2-40B4-BE49-F238E27FC236}">
-                <a16:creationId xmlns:a16="http://schemas.microsoft.com/office/drawing/2014/main" id="{C40B4747-0372-44FE-9696-86DC29C29288}"/>
-              </a:ext>
-            </a:extLst>
-          </p:cNvPr>
-          <p:cNvSpPr>
-            <a:spLocks noGrp="1"/>
-          </p:cNvSpPr>
-          <p:nvPr>
-            <p:ph idx="1"/>
-          </p:nvPr>
-        </p:nvSpPr>
-        <p:spPr>
-          <a:xfrm>
-            <a:off x="731874" y="3615183"/>
-            <a:ext cx="10926725" cy="4351338"/>
-          </a:xfrm>
-        </p:spPr>
-        <p:txBody>
-          <a:bodyPr/>
-          <a:lstStyle/>
-          <a:p>
-            <a:pPr marL="0" indent="0">
-              <a:buNone/>
-            </a:pPr>
-            <a:r>
-              <a:rPr lang="en-US" dirty="0"/>
-              <a:t>In animation a </a:t>
-            </a:r>
-            <a:r>
-              <a:rPr lang="en-US" b="1" dirty="0"/>
-              <a:t>key frame </a:t>
-            </a:r>
-            <a:r>
-              <a:rPr lang="en-US" dirty="0"/>
-              <a:t>is a typically an artist generated geometry</a:t>
-            </a:r>
-            <a:br>
-              <a:rPr lang="en-US" dirty="0"/>
-            </a:br>
-            <a:r>
-              <a:rPr lang="en-US" dirty="0"/>
-              <a:t> </a:t>
-            </a:r>
-          </a:p>
-          <a:p>
-            <a:pPr marL="0" indent="0">
-              <a:buNone/>
-            </a:pPr>
-            <a:r>
-              <a:rPr lang="en-US" dirty="0"/>
-              <a:t>Intermediate frames can be calculated using interpolation</a:t>
-            </a:r>
-          </a:p>
-          <a:p>
-            <a:pPr marL="0" indent="0">
-              <a:buNone/>
-            </a:pPr>
-            <a:endParaRPr lang="en-US" dirty="0"/>
-          </a:p>
-        </p:txBody>
-      </p:sp>
-      <p:pic>
-        <p:nvPicPr>
-          <p:cNvPr id="4" name="Picture 3">
-            <a:extLst>
-              <a:ext uri="{FF2B5EF4-FFF2-40B4-BE49-F238E27FC236}">
-                <a16:creationId xmlns:a16="http://schemas.microsoft.com/office/drawing/2014/main" id="{C9D10D2E-DE46-4BC2-982B-3919E38B7B6C}"/>
-              </a:ext>
-            </a:extLst>
-          </p:cNvPr>
-          <p:cNvPicPr>
-            <a:picLocks noChangeAspect="1"/>
-          </p:cNvPicPr>
-          <p:nvPr/>
-        </p:nvPicPr>
-        <p:blipFill>
-          <a:blip r:embed="rId2"/>
-          <a:stretch>
-            <a:fillRect/>
-          </a:stretch>
-        </p:blipFill>
-        <p:spPr>
-          <a:xfrm>
-            <a:off x="1688824" y="1321697"/>
-            <a:ext cx="7810500" cy="2047875"/>
-          </a:xfrm>
-          <a:prstGeom prst="rect">
-            <a:avLst/>
-          </a:prstGeom>
-        </p:spPr>
-      </p:pic>
-    </p:spTree>
-    <p:extLst>
-      <p:ext uri="{BB962C8B-B14F-4D97-AF65-F5344CB8AC3E}">
-        <p14:creationId xmlns:p14="http://schemas.microsoft.com/office/powerpoint/2010/main" val="2539165909"/>
-      </p:ext>
-    </p:extLst>
-  </p:cSld>
-  <p:clrMapOvr>
-    <a:masterClrMapping/>
-  </p:clrMapOvr>
-</p:sld>
-</file>
-
-<file path=ppt/slides/slide11.xml><?xml version="1.0" encoding="utf-8"?>
-<p:sld xmlns:a="http://schemas.openxmlformats.org/drawingml/2006/main" xmlns:r="http://schemas.openxmlformats.org/officeDocument/2006/relationships" xmlns:p="http://schemas.openxmlformats.org/presentationml/2006/main">
-  <p:cSld>
-    <p:spTree>
-      <p:nvGrpSpPr>
-        <p:cNvPr id="1" name=""/>
-        <p:cNvGrpSpPr/>
-        <p:nvPr/>
-      </p:nvGrpSpPr>
-      <p:grpSpPr>
-        <a:xfrm>
-          <a:off x="0" y="0"/>
-          <a:ext cx="0" cy="0"/>
-          <a:chOff x="0" y="0"/>
-          <a:chExt cx="0" cy="0"/>
-        </a:xfrm>
-      </p:grpSpPr>
-      <p:sp>
-        <p:nvSpPr>
-          <p:cNvPr id="2" name="Title 1">
-            <a:extLst>
-              <a:ext uri="{FF2B5EF4-FFF2-40B4-BE49-F238E27FC236}">
                 <a16:creationId xmlns:a16="http://schemas.microsoft.com/office/drawing/2014/main" id="{69ECCC19-2A85-4375-9631-56FF9CD4217D}"/>
               </a:ext>
             </a:extLst>
@@ -4914,7 +4755,7 @@
 </p:sld>
 </file>
 
-<file path=ppt/slides/slide12.xml><?xml version="1.0" encoding="utf-8"?>
+<file path=ppt/slides/slide11.xml><?xml version="1.0" encoding="utf-8"?>
 <p:sld xmlns:a="http://schemas.openxmlformats.org/drawingml/2006/main" xmlns:r="http://schemas.openxmlformats.org/officeDocument/2006/relationships" xmlns:p="http://schemas.openxmlformats.org/presentationml/2006/main">
   <p:cSld>
     <p:spTree>
@@ -5033,7 +4874,7 @@
 </p:sld>
 </file>
 
-<file path=ppt/slides/slide13.xml><?xml version="1.0" encoding="utf-8"?>
+<file path=ppt/slides/slide12.xml><?xml version="1.0" encoding="utf-8"?>
 <p:sld xmlns:a="http://schemas.openxmlformats.org/drawingml/2006/main" xmlns:r="http://schemas.openxmlformats.org/officeDocument/2006/relationships" xmlns:p="http://schemas.openxmlformats.org/presentationml/2006/main">
   <p:cSld>
     <p:spTree>
@@ -5302,7 +5143,7 @@
 </p:sld>
 </file>
 
-<file path=ppt/slides/slide14.xml><?xml version="1.0" encoding="utf-8"?>
+<file path=ppt/slides/slide13.xml><?xml version="1.0" encoding="utf-8"?>
 <p:sld xmlns:a="http://schemas.openxmlformats.org/drawingml/2006/main" xmlns:r="http://schemas.openxmlformats.org/officeDocument/2006/relationships" xmlns:p="http://schemas.openxmlformats.org/presentationml/2006/main">
   <p:cSld>
     <p:spTree>
@@ -5465,7 +5306,7 @@
 </p:sld>
 </file>
 
-<file path=ppt/slides/slide15.xml><?xml version="1.0" encoding="utf-8"?>
+<file path=ppt/slides/slide14.xml><?xml version="1.0" encoding="utf-8"?>
 <p:sld xmlns:a="http://schemas.openxmlformats.org/drawingml/2006/main" xmlns:r="http://schemas.openxmlformats.org/officeDocument/2006/relationships" xmlns:p="http://schemas.openxmlformats.org/presentationml/2006/main">
   <p:cSld>
     <p:spTree>
@@ -6835,12 +6676,8 @@
               <a:buNone/>
             </a:pPr>
             <a:r>
-              <a:rPr lang="en-US" sz="1400" dirty="0" err="1"/>
-              <a:t>var</a:t>
-            </a:r>
-            <a:r>
               <a:rPr lang="en-US" sz="1400" dirty="0"/>
-              <a:t> </a:t>
+              <a:t>var </a:t>
             </a:r>
             <a:r>
               <a:rPr lang="en-US" sz="1400" dirty="0" err="1"/>
@@ -6848,7 +6685,7 @@
             </a:r>
             <a:r>
               <a:rPr lang="en-US" sz="1400" dirty="0"/>
-              <a:t> = mat4.create();</a:t>
+              <a:t> = glMatrix.mat4.create();</a:t>
             </a:r>
             <a:br>
               <a:rPr lang="en-US" sz="1400" dirty="0"/>
@@ -6962,7 +6799,7 @@
             </a:pPr>
             <a:r>
               <a:rPr lang="en-US" sz="1400" dirty="0"/>
-              <a:t>  mat4.identity(</a:t>
+              <a:t>  glMatrix.mat4.identity(</a:t>
             </a:r>
             <a:r>
               <a:rPr lang="en-US" sz="1400" dirty="0" err="1"/>
@@ -6979,7 +6816,7 @@
             </a:pPr>
             <a:r>
               <a:rPr lang="en-US" sz="1400" dirty="0"/>
-              <a:t>  mat4.rotateX(</a:t>
+              <a:t>  glMatrix.mat4.rotateX(</a:t>
             </a:r>
             <a:r>
               <a:rPr lang="en-US" sz="1400" dirty="0" err="1"/>
@@ -7152,13 +6989,13 @@
         </p:nvSpPr>
         <p:spPr>
           <a:xfrm>
-            <a:off x="7158182" y="2203161"/>
-            <a:ext cx="3605896" cy="3670768"/>
+            <a:off x="7158181" y="2203161"/>
+            <a:ext cx="4319716" cy="3670768"/>
           </a:xfrm>
         </p:spPr>
         <p:txBody>
           <a:bodyPr>
-            <a:normAutofit fontScale="85000" lnSpcReduction="20000"/>
+            <a:normAutofit fontScale="92500"/>
           </a:bodyPr>
           <a:lstStyle/>
           <a:p>
@@ -7170,34 +7007,14 @@
                 <a:latin typeface="Courier New" panose="02070309020205020404" pitchFamily="49" charset="0"/>
                 <a:cs typeface="Courier New" panose="02070309020205020404" pitchFamily="49" charset="0"/>
               </a:rPr>
-              <a:t>requestAnimFrame</a:t>
+              <a:t>requestAnimationFrame</a:t>
             </a:r>
             <a:br>
               <a:rPr lang="en-US" dirty="0"/>
             </a:br>
             <a:r>
               <a:rPr lang="en-US" dirty="0"/>
-              <a:t>is a function in </a:t>
-            </a:r>
-            <a:br>
-              <a:rPr lang="en-US" dirty="0"/>
-            </a:br>
-            <a:r>
-              <a:rPr lang="en-US" dirty="0"/>
-              <a:t>webgl-utils.js</a:t>
-            </a:r>
-            <a:br>
-              <a:rPr lang="en-US" dirty="0"/>
-            </a:br>
-            <a:endParaRPr lang="en-US" dirty="0"/>
-          </a:p>
-          <a:p>
-            <a:pPr marL="349224" lvl="1" indent="0">
-              <a:buNone/>
-            </a:pPr>
-            <a:r>
-              <a:rPr lang="en-US" dirty="0"/>
-              <a:t>tells the </a:t>
+              <a:t>is a function that tells the </a:t>
             </a:r>
             <a:r>
               <a:rPr lang="en-US" dirty="0" err="1"/>
@@ -7604,7 +7421,7 @@
             </a:r>
             <a:r>
               <a:rPr lang="en-US" sz="1800" dirty="0" err="1"/>
-              <a:t>requestAnimFrame</a:t>
+              <a:t>requestAnimationFrame</a:t>
             </a:r>
             <a:r>
               <a:rPr lang="en-US" sz="1800" dirty="0"/>
@@ -7670,191 +7487,6 @@
       </p:grpSpPr>
       <p:sp>
         <p:nvSpPr>
-          <p:cNvPr id="2" name="Title 1">
-            <a:extLst>
-              <a:ext uri="{FF2B5EF4-FFF2-40B4-BE49-F238E27FC236}">
-                <a16:creationId xmlns:a16="http://schemas.microsoft.com/office/drawing/2014/main" id="{05859477-49EB-4D0D-87A0-1B3BA6F113B0}"/>
-              </a:ext>
-            </a:extLst>
-          </p:cNvPr>
-          <p:cNvSpPr>
-            <a:spLocks noGrp="1"/>
-          </p:cNvSpPr>
-          <p:nvPr>
-            <p:ph type="title"/>
-          </p:nvPr>
-        </p:nvSpPr>
-        <p:spPr/>
-        <p:txBody>
-          <a:bodyPr/>
-          <a:lstStyle/>
-          <a:p>
-            <a:r>
-              <a:rPr lang="en-US" dirty="0"/>
-              <a:t>Request Animation Frame</a:t>
-            </a:r>
-          </a:p>
-        </p:txBody>
-      </p:sp>
-      <p:sp>
-        <p:nvSpPr>
-          <p:cNvPr id="3" name="Content Placeholder 2">
-            <a:extLst>
-              <a:ext uri="{FF2B5EF4-FFF2-40B4-BE49-F238E27FC236}">
-                <a16:creationId xmlns:a16="http://schemas.microsoft.com/office/drawing/2014/main" id="{D9F4815F-DE42-43E5-81D8-7FB7CAE921AE}"/>
-              </a:ext>
-            </a:extLst>
-          </p:cNvPr>
-          <p:cNvSpPr>
-            <a:spLocks noGrp="1"/>
-          </p:cNvSpPr>
-          <p:nvPr>
-            <p:ph idx="1"/>
-          </p:nvPr>
-        </p:nvSpPr>
-        <p:spPr>
-          <a:xfrm>
-            <a:off x="213691" y="1825625"/>
-            <a:ext cx="11140109" cy="4351338"/>
-          </a:xfrm>
-        </p:spPr>
-        <p:txBody>
-          <a:bodyPr/>
-          <a:lstStyle/>
-          <a:p>
-            <a:pPr marL="0" indent="0">
-              <a:buNone/>
-            </a:pPr>
-            <a:r>
-              <a:rPr lang="en-US" dirty="0" err="1">
-                <a:latin typeface="Courier New" panose="02070309020205020404" pitchFamily="49" charset="0"/>
-                <a:cs typeface="Courier New" panose="02070309020205020404" pitchFamily="49" charset="0"/>
-              </a:rPr>
-              <a:t>requestAnimFrame</a:t>
-            </a:r>
-            <a:br>
-              <a:rPr lang="en-US" dirty="0"/>
-            </a:br>
-            <a:r>
-              <a:rPr lang="en-US" dirty="0"/>
-              <a:t>is a wrapper function that tries to hide differences between platforms</a:t>
-            </a:r>
-          </a:p>
-          <a:p>
-            <a:pPr marL="0" indent="0">
-              <a:buNone/>
-            </a:pPr>
-            <a:endParaRPr lang="en-US" dirty="0"/>
-          </a:p>
-          <a:p>
-            <a:pPr marL="0" indent="0">
-              <a:buNone/>
-            </a:pPr>
-            <a:r>
-              <a:rPr lang="en-US" dirty="0"/>
-              <a:t>Solves a problem from years ago…now you can probably just call</a:t>
-            </a:r>
-            <a:br>
-              <a:rPr lang="en-US" dirty="0"/>
-            </a:br>
-            <a:r>
-              <a:rPr lang="en-US" sz="2400" dirty="0" err="1">
-                <a:solidFill>
-                  <a:srgbClr val="333333"/>
-                </a:solidFill>
-                <a:latin typeface="Courier New" panose="02070309020205020404" pitchFamily="49" charset="0"/>
-                <a:cs typeface="Courier New" panose="02070309020205020404" pitchFamily="49" charset="0"/>
-              </a:rPr>
-              <a:t>requestAnimationFrame</a:t>
-            </a:r>
-            <a:r>
-              <a:rPr lang="en-US" sz="2400" dirty="0">
-                <a:solidFill>
-                  <a:srgbClr val="333333"/>
-                </a:solidFill>
-                <a:latin typeface="Courier New" panose="02070309020205020404" pitchFamily="49" charset="0"/>
-                <a:cs typeface="Courier New" panose="02070309020205020404" pitchFamily="49" charset="0"/>
-              </a:rPr>
-              <a:t>(callback)</a:t>
-            </a:r>
-            <a:br>
-              <a:rPr lang="en-US" sz="2400" dirty="0">
-                <a:solidFill>
-                  <a:srgbClr val="333333"/>
-                </a:solidFill>
-                <a:latin typeface="Courier New" panose="02070309020205020404" pitchFamily="49" charset="0"/>
-                <a:cs typeface="Courier New" panose="02070309020205020404" pitchFamily="49" charset="0"/>
-              </a:rPr>
-            </a:br>
-            <a:endParaRPr lang="en-US" sz="2400" dirty="0">
-              <a:solidFill>
-                <a:srgbClr val="333333"/>
-              </a:solidFill>
-              <a:latin typeface="Courier New" panose="02070309020205020404" pitchFamily="49" charset="0"/>
-              <a:cs typeface="Courier New" panose="02070309020205020404" pitchFamily="49" charset="0"/>
-            </a:endParaRPr>
-          </a:p>
-          <a:p>
-            <a:pPr marL="0" indent="0">
-              <a:buNone/>
-            </a:pPr>
-            <a:r>
-              <a:rPr lang="en-US" sz="2400" dirty="0">
-                <a:solidFill>
-                  <a:srgbClr val="333333"/>
-                </a:solidFill>
-                <a:cs typeface="Courier New" panose="02070309020205020404" pitchFamily="49" charset="0"/>
-              </a:rPr>
-              <a:t>See </a:t>
-            </a:r>
-            <a:r>
-              <a:rPr lang="en-US" sz="2000" dirty="0">
-                <a:solidFill>
-                  <a:srgbClr val="333333"/>
-                </a:solidFill>
-                <a:cs typeface="Courier New" panose="02070309020205020404" pitchFamily="49" charset="0"/>
-                <a:hlinkClick r:id="rId2"/>
-              </a:rPr>
-              <a:t>https://developer.mozilla.org/en-US/docs/Web/API/window/requestAnimationFrame</a:t>
-            </a:r>
-            <a:endParaRPr lang="en-US" dirty="0">
-              <a:cs typeface="Courier New" panose="02070309020205020404" pitchFamily="49" charset="0"/>
-            </a:endParaRPr>
-          </a:p>
-        </p:txBody>
-      </p:sp>
-    </p:spTree>
-    <p:extLst>
-      <p:ext uri="{BB962C8B-B14F-4D97-AF65-F5344CB8AC3E}">
-        <p14:creationId xmlns:p14="http://schemas.microsoft.com/office/powerpoint/2010/main" val="3549169466"/>
-      </p:ext>
-    </p:extLst>
-  </p:cSld>
-  <p:clrMapOvr>
-    <a:masterClrMapping/>
-  </p:clrMapOvr>
-</p:sld>
-</file>
-
-<file path=ppt/slides/slide7.xml><?xml version="1.0" encoding="utf-8"?>
-<p:sld xmlns:a="http://schemas.openxmlformats.org/drawingml/2006/main" xmlns:r="http://schemas.openxmlformats.org/officeDocument/2006/relationships" xmlns:p="http://schemas.openxmlformats.org/presentationml/2006/main">
-  <p:cSld>
-    <p:spTree>
-      <p:nvGrpSpPr>
-        <p:cNvPr id="1" name=""/>
-        <p:cNvGrpSpPr/>
-        <p:nvPr/>
-      </p:nvGrpSpPr>
-      <p:grpSpPr>
-        <a:xfrm>
-          <a:off x="0" y="0"/>
-          <a:ext cx="0" cy="0"/>
-          <a:chOff x="0" y="0"/>
-          <a:chExt cx="0" cy="0"/>
-        </a:xfrm>
-      </p:grpSpPr>
-      <p:sp>
-        <p:nvSpPr>
           <p:cNvPr id="2" name="Title 1"/>
           <p:cNvSpPr>
             <a:spLocks noGrp="1"/>
@@ -8309,7 +7941,7 @@
 </p:sld>
 </file>
 
-<file path=ppt/slides/slide8.xml><?xml version="1.0" encoding="utf-8"?>
+<file path=ppt/slides/slide7.xml><?xml version="1.0" encoding="utf-8"?>
 <p:sld xmlns:a="http://schemas.openxmlformats.org/drawingml/2006/main" xmlns:r="http://schemas.openxmlformats.org/officeDocument/2006/relationships" xmlns:p="http://schemas.openxmlformats.org/presentationml/2006/main">
   <p:cSld>
     <p:spTree>
@@ -8442,7 +8074,7 @@
 </p:sld>
 </file>
 
-<file path=ppt/slides/slide9.xml><?xml version="1.0" encoding="utf-8"?>
+<file path=ppt/slides/slide8.xml><?xml version="1.0" encoding="utf-8"?>
 <p:sld xmlns:a="http://schemas.openxmlformats.org/drawingml/2006/main" xmlns:r="http://schemas.openxmlformats.org/officeDocument/2006/relationships" xmlns:p="http://schemas.openxmlformats.org/presentationml/2006/main">
   <p:cSld>
     <p:spTree>
@@ -8591,6 +8223,160 @@
     <p:extLst>
       <p:ext uri="{BB962C8B-B14F-4D97-AF65-F5344CB8AC3E}">
         <p14:creationId xmlns:p14="http://schemas.microsoft.com/office/powerpoint/2010/main" val="1652601008"/>
+      </p:ext>
+    </p:extLst>
+  </p:cSld>
+  <p:clrMapOvr>
+    <a:masterClrMapping/>
+  </p:clrMapOvr>
+</p:sld>
+</file>
+
+<file path=ppt/slides/slide9.xml><?xml version="1.0" encoding="utf-8"?>
+<p:sld xmlns:a="http://schemas.openxmlformats.org/drawingml/2006/main" xmlns:r="http://schemas.openxmlformats.org/officeDocument/2006/relationships" xmlns:p="http://schemas.openxmlformats.org/presentationml/2006/main">
+  <p:cSld>
+    <p:spTree>
+      <p:nvGrpSpPr>
+        <p:cNvPr id="1" name=""/>
+        <p:cNvGrpSpPr/>
+        <p:nvPr/>
+      </p:nvGrpSpPr>
+      <p:grpSpPr>
+        <a:xfrm>
+          <a:off x="0" y="0"/>
+          <a:ext cx="0" cy="0"/>
+          <a:chOff x="0" y="0"/>
+          <a:chExt cx="0" cy="0"/>
+        </a:xfrm>
+      </p:grpSpPr>
+      <p:sp>
+        <p:nvSpPr>
+          <p:cNvPr id="2" name="Title 1">
+            <a:extLst>
+              <a:ext uri="{FF2B5EF4-FFF2-40B4-BE49-F238E27FC236}">
+                <a16:creationId xmlns:a16="http://schemas.microsoft.com/office/drawing/2014/main" id="{F8542482-C0D7-49D8-8F8A-99ECDCC7D4A3}"/>
+              </a:ext>
+            </a:extLst>
+          </p:cNvPr>
+          <p:cNvSpPr>
+            <a:spLocks noGrp="1"/>
+          </p:cNvSpPr>
+          <p:nvPr>
+            <p:ph type="title"/>
+          </p:nvPr>
+        </p:nvSpPr>
+        <p:spPr/>
+        <p:txBody>
+          <a:bodyPr/>
+          <a:lstStyle/>
+          <a:p>
+            <a:r>
+              <a:rPr lang="en-US" dirty="0"/>
+              <a:t>Interpolation and Key Frames</a:t>
+            </a:r>
+          </a:p>
+        </p:txBody>
+      </p:sp>
+      <p:sp>
+        <p:nvSpPr>
+          <p:cNvPr id="3" name="Content Placeholder 2">
+            <a:extLst>
+              <a:ext uri="{FF2B5EF4-FFF2-40B4-BE49-F238E27FC236}">
+                <a16:creationId xmlns:a16="http://schemas.microsoft.com/office/drawing/2014/main" id="{C40B4747-0372-44FE-9696-86DC29C29288}"/>
+              </a:ext>
+            </a:extLst>
+          </p:cNvPr>
+          <p:cNvSpPr>
+            <a:spLocks noGrp="1"/>
+          </p:cNvSpPr>
+          <p:nvPr>
+            <p:ph idx="1"/>
+          </p:nvPr>
+        </p:nvSpPr>
+        <p:spPr>
+          <a:xfrm>
+            <a:off x="731874" y="3615183"/>
+            <a:ext cx="10926725" cy="4351338"/>
+          </a:xfrm>
+        </p:spPr>
+        <p:txBody>
+          <a:bodyPr/>
+          <a:lstStyle/>
+          <a:p>
+            <a:pPr marL="0" indent="0">
+              <a:buNone/>
+            </a:pPr>
+            <a:r>
+              <a:rPr lang="en-US" dirty="0"/>
+              <a:t>In animation a </a:t>
+            </a:r>
+            <a:r>
+              <a:rPr lang="en-US" b="1" dirty="0"/>
+              <a:t>key frame </a:t>
+            </a:r>
+            <a:r>
+              <a:rPr lang="en-US" dirty="0"/>
+              <a:t>is a typically an artist generated geometry</a:t>
+            </a:r>
+            <a:br>
+              <a:rPr lang="en-US" dirty="0"/>
+            </a:br>
+            <a:r>
+              <a:rPr lang="en-US" dirty="0"/>
+              <a:t> </a:t>
+            </a:r>
+          </a:p>
+          <a:p>
+            <a:pPr marL="0" indent="0">
+              <a:buNone/>
+            </a:pPr>
+            <a:r>
+              <a:rPr lang="en-US" dirty="0"/>
+              <a:t>Intermediate frames can be calculated using interpolation</a:t>
+            </a:r>
+          </a:p>
+          <a:p>
+            <a:pPr marL="0" indent="0">
+              <a:buNone/>
+            </a:pPr>
+            <a:endParaRPr lang="en-US" dirty="0"/>
+          </a:p>
+        </p:txBody>
+      </p:sp>
+      <p:pic>
+        <p:nvPicPr>
+          <p:cNvPr id="4" name="Picture 3">
+            <a:extLst>
+              <a:ext uri="{FF2B5EF4-FFF2-40B4-BE49-F238E27FC236}">
+                <a16:creationId xmlns:a16="http://schemas.microsoft.com/office/drawing/2014/main" id="{C9D10D2E-DE46-4BC2-982B-3919E38B7B6C}"/>
+              </a:ext>
+            </a:extLst>
+          </p:cNvPr>
+          <p:cNvPicPr>
+            <a:picLocks noChangeAspect="1"/>
+          </p:cNvPicPr>
+          <p:nvPr/>
+        </p:nvPicPr>
+        <p:blipFill>
+          <a:blip r:embed="rId2"/>
+          <a:stretch>
+            <a:fillRect/>
+          </a:stretch>
+        </p:blipFill>
+        <p:spPr>
+          <a:xfrm>
+            <a:off x="1688824" y="1321697"/>
+            <a:ext cx="7810500" cy="2047875"/>
+          </a:xfrm>
+          <a:prstGeom prst="rect">
+            <a:avLst/>
+          </a:prstGeom>
+        </p:spPr>
+      </p:pic>
+    </p:spTree>
+    <p:extLst>
+      <p:ext uri="{BB962C8B-B14F-4D97-AF65-F5344CB8AC3E}">
+        <p14:creationId xmlns:p14="http://schemas.microsoft.com/office/powerpoint/2010/main" val="2539165909"/>
       </p:ext>
     </p:extLst>
   </p:cSld>
